--- a/rediExpress.pptx
+++ b/rediExpress.pptx
@@ -8172,13 +8172,64 @@
         </p:nvSpPr>
         <p:spPr/>
         <p:txBody>
-          <a:bodyPr/>
+          <a:bodyPr>
+            <a:normAutofit fontScale="92500"/>
+          </a:bodyPr>
           <a:lstStyle/>
           <a:p>
             <a:r>
               <a:rPr lang="ru-RU" dirty="0"/>
-              <a:t>Производительно</a:t>
-            </a:r>
+              <a:t>Приложение является нативным для операционной системы </a:t>
+            </a:r>
+            <a:r>
+              <a:rPr lang="en-US" dirty="0" err="1"/>
+              <a:t>ios</a:t>
+            </a:r>
+            <a:r>
+              <a:rPr lang="en-US" dirty="0"/>
+              <a:t>,</a:t>
+            </a:r>
+            <a:r>
+              <a:rPr lang="ru-RU" dirty="0"/>
+              <a:t> работает быстро</a:t>
+            </a:r>
+          </a:p>
+          <a:p>
+            <a:r>
+              <a:rPr lang="ru-RU" dirty="0"/>
+              <a:t>Размер приложения небольшой</a:t>
+            </a:r>
+            <a:r>
+              <a:rPr lang="en-US" dirty="0"/>
+              <a:t>,</a:t>
+            </a:r>
+            <a:r>
+              <a:rPr lang="ru-RU" dirty="0"/>
+              <a:t> что позволяет быстрее загружаться</a:t>
+            </a:r>
+          </a:p>
+          <a:p>
+            <a:r>
+              <a:rPr lang="ru-RU" dirty="0"/>
+              <a:t>Все изображения в приложении векторные поэтому они легко масштабируются на различных устройствах. Все медиа ресурсы кэшируются</a:t>
+            </a:r>
+          </a:p>
+          <a:p>
+            <a:r>
+              <a:rPr lang="ru-RU" dirty="0"/>
+              <a:t>Используются асинхронные методы для работы с данными по сети, что повышает общую производительность системы</a:t>
+            </a:r>
+          </a:p>
+          <a:p>
+            <a:r>
+              <a:rPr lang="ru-RU" dirty="0"/>
+              <a:t>Для хранения данных и авторизации используется внешние сервисы </a:t>
+            </a:r>
+            <a:r>
+              <a:rPr lang="en-US"/>
+              <a:t>Supabase</a:t>
+            </a:r>
+            <a:endParaRPr lang="ru-RU"/>
           </a:p>
         </p:txBody>
       </p:sp>
